--- a/doc/results_20140407/interpolation.pptx
+++ b/doc/results_20140407/interpolation.pptx
@@ -3069,7 +3069,7 @@
             </p:nvSpPr>
             <p:spPr>
               <a:xfrm>
-                <a:off x="7141390" y="4178432"/>
+                <a:off x="2502982" y="5473831"/>
                 <a:ext cx="1085810" cy="369332"/>
               </a:xfrm>
               <a:prstGeom prst="rect">
@@ -3083,6 +3083,7 @@
               </a:bodyPr>
               <a:lstStyle/>
               <a:p>
+                <a:pPr/>
                 <a14:m>
                   <m:oMathPara xmlns:m="http://schemas.openxmlformats.org/officeDocument/2006/math">
                     <m:oMathParaPr>
@@ -3120,7 +3121,7 @@
             </p:nvSpPr>
             <p:spPr>
               <a:xfrm>
-                <a:off x="7141390" y="4178432"/>
+                <a:off x="2502982" y="5473831"/>
                 <a:ext cx="1085810" cy="369332"/>
               </a:xfrm>
               <a:prstGeom prst="rect">
@@ -3158,7 +3159,7 @@
             </p:nvSpPr>
             <p:spPr>
               <a:xfrm>
-                <a:off x="4112724" y="4178432"/>
+                <a:off x="7201483" y="2578232"/>
                 <a:ext cx="957570" cy="369332"/>
               </a:xfrm>
               <a:prstGeom prst="rect">
@@ -3172,6 +3173,7 @@
               </a:bodyPr>
               <a:lstStyle/>
               <a:p>
+                <a:pPr/>
                 <a14:m>
                   <m:oMathPara xmlns:m="http://schemas.openxmlformats.org/officeDocument/2006/math">
                     <m:oMathParaPr>
@@ -3209,7 +3211,7 @@
             </p:nvSpPr>
             <p:spPr>
               <a:xfrm>
-                <a:off x="4112724" y="4178432"/>
+                <a:off x="7201483" y="2578232"/>
                 <a:ext cx="957570" cy="369332"/>
               </a:xfrm>
               <a:prstGeom prst="rect">
@@ -3247,7 +3249,7 @@
             </p:nvSpPr>
             <p:spPr>
               <a:xfrm>
-                <a:off x="936042" y="4178432"/>
+                <a:off x="4024801" y="2578232"/>
                 <a:ext cx="1085810" cy="369332"/>
               </a:xfrm>
               <a:prstGeom prst="rect">
@@ -3261,6 +3263,7 @@
               </a:bodyPr>
               <a:lstStyle/>
               <a:p>
+                <a:pPr/>
                 <a14:m>
                   <m:oMathPara xmlns:m="http://schemas.openxmlformats.org/officeDocument/2006/math">
                     <m:oMathParaPr>
@@ -3298,7 +3301,7 @@
             </p:nvSpPr>
             <p:spPr>
               <a:xfrm>
-                <a:off x="936042" y="4178432"/>
+                <a:off x="4024801" y="2578232"/>
                 <a:ext cx="1085810" cy="369332"/>
               </a:xfrm>
               <a:prstGeom prst="rect">
@@ -3349,7 +3352,7 @@
         </p:blipFill>
         <p:spPr bwMode="auto">
           <a:xfrm>
-            <a:off x="-1" y="1600200"/>
+            <a:off x="3088758" y="0"/>
             <a:ext cx="3048566" cy="2578232"/>
           </a:xfrm>
           <a:prstGeom prst="rect">
@@ -3403,7 +3406,7 @@
         </p:blipFill>
         <p:spPr bwMode="auto">
           <a:xfrm>
-            <a:off x="6157666" y="1600201"/>
+            <a:off x="1519258" y="2895600"/>
             <a:ext cx="2986335" cy="2578230"/>
           </a:xfrm>
           <a:prstGeom prst="rect">
@@ -3457,7 +3460,7 @@
         </p:blipFill>
         <p:spPr bwMode="auto">
           <a:xfrm>
-            <a:off x="3131050" y="1600200"/>
+            <a:off x="6219809" y="0"/>
             <a:ext cx="2924191" cy="2578230"/>
           </a:xfrm>
           <a:prstGeom prst="rect">
@@ -3498,7 +3501,7 @@
             </p:nvSpPr>
             <p:spPr>
               <a:xfrm>
-                <a:off x="171909" y="4876800"/>
+                <a:off x="171909" y="5733871"/>
                 <a:ext cx="8839200" cy="1200329"/>
               </a:xfrm>
               <a:prstGeom prst="rect">
@@ -3556,7 +3559,7 @@
             </p:nvSpPr>
             <p:spPr>
               <a:xfrm>
-                <a:off x="171909" y="4876800"/>
+                <a:off x="171909" y="5733871"/>
                 <a:ext cx="8839200" cy="1200329"/>
               </a:xfrm>
               <a:prstGeom prst="rect">
@@ -3566,6 +3569,294 @@
                 <a:blip r:embed="rId8"/>
                 <a:stretch>
                   <a:fillRect l="-552" t="-2538" b="-7107"/>
+                </a:stretch>
+              </a:blipFill>
+            </p:spPr>
+            <p:txBody>
+              <a:bodyPr/>
+              <a:lstStyle/>
+              <a:p>
+                <a:r>
+                  <a:rPr lang="en-US">
+                    <a:noFill/>
+                  </a:rPr>
+                  <a:t> </a:t>
+                </a:r>
+              </a:p>
+            </p:txBody>
+          </p:sp>
+        </mc:Fallback>
+      </mc:AlternateContent>
+      <p:pic>
+        <p:nvPicPr>
+          <p:cNvPr id="1026" name="Picture 2"/>
+          <p:cNvPicPr>
+            <a:picLocks noChangeAspect="1" noChangeArrowheads="1"/>
+          </p:cNvPicPr>
+          <p:nvPr/>
+        </p:nvPicPr>
+        <p:blipFill>
+          <a:blip r:embed="rId9" cstate="print">
+            <a:extLst>
+              <a:ext uri="{28A0092B-C50C-407E-A947-70E740481C1C}">
+                <a14:useLocalDpi xmlns:a14="http://schemas.microsoft.com/office/drawing/2010/main" val="0"/>
+              </a:ext>
+            </a:extLst>
+          </a:blip>
+          <a:srcRect/>
+          <a:stretch>
+            <a:fillRect/>
+          </a:stretch>
+        </p:blipFill>
+        <p:spPr bwMode="auto">
+          <a:xfrm>
+            <a:off x="0" y="1"/>
+            <a:ext cx="2916974" cy="2578229"/>
+          </a:xfrm>
+          <a:prstGeom prst="rect">
+            <a:avLst/>
+          </a:prstGeom>
+          <a:noFill/>
+          <a:ln>
+            <a:noFill/>
+          </a:ln>
+          <a:extLst>
+            <a:ext uri="{909E8E84-426E-40DD-AFC4-6F175D3DCCD1}">
+              <a14:hiddenFill xmlns:a14="http://schemas.microsoft.com/office/drawing/2010/main">
+                <a:solidFill>
+                  <a:schemeClr val="accent1"/>
+                </a:solidFill>
+              </a14:hiddenFill>
+            </a:ext>
+            <a:ext uri="{91240B29-F687-4F45-9708-019B960494DF}">
+              <a14:hiddenLine xmlns:a14="http://schemas.microsoft.com/office/drawing/2010/main" w="9525">
+                <a:solidFill>
+                  <a:schemeClr val="tx1"/>
+                </a:solidFill>
+                <a:miter lim="800000"/>
+                <a:headEnd/>
+                <a:tailEnd/>
+              </a14:hiddenLine>
+            </a:ext>
+          </a:extLst>
+        </p:spPr>
+      </p:pic>
+      <mc:AlternateContent xmlns:mc="http://schemas.openxmlformats.org/markup-compatibility/2006">
+        <mc:Choice xmlns:a14="http://schemas.microsoft.com/office/drawing/2010/main" Requires="a14">
+          <p:sp>
+            <p:nvSpPr>
+              <p:cNvPr id="10" name="TextBox 9"/>
+              <p:cNvSpPr txBox="1"/>
+              <p:nvPr/>
+            </p:nvSpPr>
+            <p:spPr>
+              <a:xfrm>
+                <a:off x="1066800" y="2572324"/>
+                <a:ext cx="957570" cy="369332"/>
+              </a:xfrm>
+              <a:prstGeom prst="rect">
+                <a:avLst/>
+              </a:prstGeom>
+              <a:noFill/>
+            </p:spPr>
+            <p:txBody>
+              <a:bodyPr wrap="none" rtlCol="0">
+                <a:spAutoFit/>
+              </a:bodyPr>
+              <a:lstStyle/>
+              <a:p>
+                <a:pPr/>
+                <a14:m>
+                  <m:oMathPara xmlns:m="http://schemas.openxmlformats.org/officeDocument/2006/math">
+                    <m:oMathParaPr>
+                      <m:jc m:val="centerGroup"/>
+                    </m:oMathParaPr>
+                    <m:oMath xmlns:m="http://schemas.openxmlformats.org/officeDocument/2006/math">
+                      <m:r>
+                        <a:rPr lang="en-US" b="0" i="1" smtClean="0">
+                          <a:latin typeface="Cambria Math"/>
+                        </a:rPr>
+                        <m:t>𝑟</m:t>
+                      </m:r>
+                      <m:r>
+                        <a:rPr lang="en-US" b="0" i="1" smtClean="0">
+                          <a:latin typeface="Cambria Math"/>
+                        </a:rPr>
+                        <m:t>=0.0</m:t>
+                      </m:r>
+                    </m:oMath>
+                  </m:oMathPara>
+                </a14:m>
+                <a:endParaRPr lang="en-US" dirty="0"/>
+              </a:p>
+            </p:txBody>
+          </p:sp>
+        </mc:Choice>
+        <mc:Fallback>
+          <p:sp>
+            <p:nvSpPr>
+              <p:cNvPr id="10" name="TextBox 9"/>
+              <p:cNvSpPr txBox="1">
+                <a:spLocks noRot="1" noChangeAspect="1" noMove="1" noResize="1" noEditPoints="1" noAdjustHandles="1" noChangeArrowheads="1" noChangeShapeType="1" noTextEdit="1"/>
+              </p:cNvSpPr>
+              <p:nvPr/>
+            </p:nvSpPr>
+            <p:spPr>
+              <a:xfrm>
+                <a:off x="1066800" y="2572324"/>
+                <a:ext cx="957570" cy="369332"/>
+              </a:xfrm>
+              <a:prstGeom prst="rect">
+                <a:avLst/>
+              </a:prstGeom>
+              <a:blipFill rotWithShape="1">
+                <a:blip r:embed="rId10"/>
+                <a:stretch>
+                  <a:fillRect/>
+                </a:stretch>
+              </a:blipFill>
+            </p:spPr>
+            <p:txBody>
+              <a:bodyPr/>
+              <a:lstStyle/>
+              <a:p>
+                <a:r>
+                  <a:rPr lang="en-US">
+                    <a:noFill/>
+                  </a:rPr>
+                  <a:t> </a:t>
+                </a:r>
+              </a:p>
+            </p:txBody>
+          </p:sp>
+        </mc:Fallback>
+      </mc:AlternateContent>
+      <p:pic>
+        <p:nvPicPr>
+          <p:cNvPr id="1027" name="Picture 3"/>
+          <p:cNvPicPr>
+            <a:picLocks noChangeAspect="1" noChangeArrowheads="1"/>
+          </p:cNvPicPr>
+          <p:nvPr/>
+        </p:nvPicPr>
+        <p:blipFill>
+          <a:blip r:embed="rId11" cstate="print">
+            <a:extLst>
+              <a:ext uri="{28A0092B-C50C-407E-A947-70E740481C1C}">
+                <a14:useLocalDpi xmlns:a14="http://schemas.microsoft.com/office/drawing/2010/main" val="0"/>
+              </a:ext>
+            </a:extLst>
+          </a:blip>
+          <a:srcRect/>
+          <a:stretch>
+            <a:fillRect/>
+          </a:stretch>
+        </p:blipFill>
+        <p:spPr bwMode="auto">
+          <a:xfrm>
+            <a:off x="4800600" y="2895600"/>
+            <a:ext cx="3019575" cy="2578231"/>
+          </a:xfrm>
+          <a:prstGeom prst="rect">
+            <a:avLst/>
+          </a:prstGeom>
+          <a:noFill/>
+          <a:ln>
+            <a:noFill/>
+          </a:ln>
+          <a:extLst>
+            <a:ext uri="{909E8E84-426E-40DD-AFC4-6F175D3DCCD1}">
+              <a14:hiddenFill xmlns:a14="http://schemas.microsoft.com/office/drawing/2010/main">
+                <a:solidFill>
+                  <a:schemeClr val="accent1"/>
+                </a:solidFill>
+              </a14:hiddenFill>
+            </a:ext>
+            <a:ext uri="{91240B29-F687-4F45-9708-019B960494DF}">
+              <a14:hiddenLine xmlns:a14="http://schemas.microsoft.com/office/drawing/2010/main" w="9525">
+                <a:solidFill>
+                  <a:schemeClr val="tx1"/>
+                </a:solidFill>
+                <a:miter lim="800000"/>
+                <a:headEnd/>
+                <a:tailEnd/>
+              </a14:hiddenLine>
+            </a:ext>
+          </a:extLst>
+        </p:spPr>
+      </p:pic>
+      <mc:AlternateContent xmlns:mc="http://schemas.openxmlformats.org/markup-compatibility/2006">
+        <mc:Choice xmlns:a14="http://schemas.microsoft.com/office/drawing/2010/main" Requires="a14">
+          <p:sp>
+            <p:nvSpPr>
+              <p:cNvPr id="12" name="TextBox 11"/>
+              <p:cNvSpPr txBox="1"/>
+              <p:nvPr/>
+            </p:nvSpPr>
+            <p:spPr>
+              <a:xfrm>
+                <a:off x="5943600" y="5472108"/>
+                <a:ext cx="957570" cy="369332"/>
+              </a:xfrm>
+              <a:prstGeom prst="rect">
+                <a:avLst/>
+              </a:prstGeom>
+              <a:noFill/>
+            </p:spPr>
+            <p:txBody>
+              <a:bodyPr wrap="none" rtlCol="0">
+                <a:spAutoFit/>
+              </a:bodyPr>
+              <a:lstStyle/>
+              <a:p>
+                <a:pPr/>
+                <a14:m>
+                  <m:oMathPara xmlns:m="http://schemas.openxmlformats.org/officeDocument/2006/math">
+                    <m:oMathParaPr>
+                      <m:jc m:val="centerGroup"/>
+                    </m:oMathParaPr>
+                    <m:oMath xmlns:m="http://schemas.openxmlformats.org/officeDocument/2006/math">
+                      <m:r>
+                        <a:rPr lang="en-US" b="0" i="1" smtClean="0">
+                          <a:latin typeface="Cambria Math"/>
+                        </a:rPr>
+                        <m:t>𝑟</m:t>
+                      </m:r>
+                      <m:r>
+                        <a:rPr lang="en-US" b="0" i="1" smtClean="0">
+                          <a:latin typeface="Cambria Math"/>
+                        </a:rPr>
+                        <m:t>=1.0</m:t>
+                      </m:r>
+                    </m:oMath>
+                  </m:oMathPara>
+                </a14:m>
+                <a:endParaRPr lang="en-US" dirty="0"/>
+              </a:p>
+            </p:txBody>
+          </p:sp>
+        </mc:Choice>
+        <mc:Fallback>
+          <p:sp>
+            <p:nvSpPr>
+              <p:cNvPr id="12" name="TextBox 11"/>
+              <p:cNvSpPr txBox="1">
+                <a:spLocks noRot="1" noChangeAspect="1" noMove="1" noResize="1" noEditPoints="1" noAdjustHandles="1" noChangeArrowheads="1" noChangeShapeType="1" noTextEdit="1"/>
+              </p:cNvSpPr>
+              <p:nvPr/>
+            </p:nvSpPr>
+            <p:spPr>
+              <a:xfrm>
+                <a:off x="5943600" y="5472108"/>
+                <a:ext cx="957570" cy="369332"/>
+              </a:xfrm>
+              <a:prstGeom prst="rect">
+                <a:avLst/>
+              </a:prstGeom>
+              <a:blipFill rotWithShape="1">
+                <a:blip r:embed="rId12"/>
+                <a:stretch>
+                  <a:fillRect/>
                 </a:stretch>
               </a:blipFill>
             </p:spPr>
